--- a/Framework.pptx
+++ b/Framework.pptx
@@ -7,10 +7,11 @@
   <p:sldIdLst>
     <p:sldId id="256" r:id="rId2"/>
     <p:sldId id="257" r:id="rId3"/>
-    <p:sldId id="259" r:id="rId4"/>
-    <p:sldId id="260" r:id="rId5"/>
-    <p:sldId id="258" r:id="rId6"/>
-    <p:sldId id="261" r:id="rId7"/>
+    <p:sldId id="262" r:id="rId4"/>
+    <p:sldId id="259" r:id="rId5"/>
+    <p:sldId id="260" r:id="rId6"/>
+    <p:sldId id="258" r:id="rId7"/>
+    <p:sldId id="261" r:id="rId8"/>
   </p:sldIdLst>
   <p:sldSz cx="12192000" cy="6858000"/>
   <p:notesSz cx="6858000" cy="9144000"/>
@@ -109,6 +110,11 @@
       </a:defRPr>
     </a:lvl9pPr>
   </p:defaultTextStyle>
+  <p:extLst>
+    <p:ext uri="{EFAFB233-063F-42B5-8137-9DF3F51BA10A}">
+      <p15:sldGuideLst xmlns:p15="http://schemas.microsoft.com/office/powerpoint/2012/main"/>
+    </p:ext>
+  </p:extLst>
 </p:presentation>
 </file>
 
@@ -259,7 +265,7 @@
           <a:p>
             <a:fld id="{6CE92151-2CF6-43EF-A6EA-1F41A8192392}" type="datetimeFigureOut">
               <a:rPr lang="ko-KR" altLang="en-US" smtClean="0"/>
-              <a:t>2022-06-25</a:t>
+              <a:t>2022-06-26</a:t>
             </a:fld>
             <a:endParaRPr lang="ko-KR" altLang="en-US"/>
           </a:p>
@@ -457,7 +463,7 @@
           <a:p>
             <a:fld id="{6CE92151-2CF6-43EF-A6EA-1F41A8192392}" type="datetimeFigureOut">
               <a:rPr lang="ko-KR" altLang="en-US" smtClean="0"/>
-              <a:t>2022-06-25</a:t>
+              <a:t>2022-06-26</a:t>
             </a:fld>
             <a:endParaRPr lang="ko-KR" altLang="en-US"/>
           </a:p>
@@ -665,7 +671,7 @@
           <a:p>
             <a:fld id="{6CE92151-2CF6-43EF-A6EA-1F41A8192392}" type="datetimeFigureOut">
               <a:rPr lang="ko-KR" altLang="en-US" smtClean="0"/>
-              <a:t>2022-06-25</a:t>
+              <a:t>2022-06-26</a:t>
             </a:fld>
             <a:endParaRPr lang="ko-KR" altLang="en-US"/>
           </a:p>
@@ -863,7 +869,7 @@
           <a:p>
             <a:fld id="{6CE92151-2CF6-43EF-A6EA-1F41A8192392}" type="datetimeFigureOut">
               <a:rPr lang="ko-KR" altLang="en-US" smtClean="0"/>
-              <a:t>2022-06-25</a:t>
+              <a:t>2022-06-26</a:t>
             </a:fld>
             <a:endParaRPr lang="ko-KR" altLang="en-US"/>
           </a:p>
@@ -1138,7 +1144,7 @@
           <a:p>
             <a:fld id="{6CE92151-2CF6-43EF-A6EA-1F41A8192392}" type="datetimeFigureOut">
               <a:rPr lang="ko-KR" altLang="en-US" smtClean="0"/>
-              <a:t>2022-06-25</a:t>
+              <a:t>2022-06-26</a:t>
             </a:fld>
             <a:endParaRPr lang="ko-KR" altLang="en-US"/>
           </a:p>
@@ -1403,7 +1409,7 @@
           <a:p>
             <a:fld id="{6CE92151-2CF6-43EF-A6EA-1F41A8192392}" type="datetimeFigureOut">
               <a:rPr lang="ko-KR" altLang="en-US" smtClean="0"/>
-              <a:t>2022-06-25</a:t>
+              <a:t>2022-06-26</a:t>
             </a:fld>
             <a:endParaRPr lang="ko-KR" altLang="en-US"/>
           </a:p>
@@ -1815,7 +1821,7 @@
           <a:p>
             <a:fld id="{6CE92151-2CF6-43EF-A6EA-1F41A8192392}" type="datetimeFigureOut">
               <a:rPr lang="ko-KR" altLang="en-US" smtClean="0"/>
-              <a:t>2022-06-25</a:t>
+              <a:t>2022-06-26</a:t>
             </a:fld>
             <a:endParaRPr lang="ko-KR" altLang="en-US"/>
           </a:p>
@@ -1956,7 +1962,7 @@
           <a:p>
             <a:fld id="{6CE92151-2CF6-43EF-A6EA-1F41A8192392}" type="datetimeFigureOut">
               <a:rPr lang="ko-KR" altLang="en-US" smtClean="0"/>
-              <a:t>2022-06-25</a:t>
+              <a:t>2022-06-26</a:t>
             </a:fld>
             <a:endParaRPr lang="ko-KR" altLang="en-US"/>
           </a:p>
@@ -2069,7 +2075,7 @@
           <a:p>
             <a:fld id="{6CE92151-2CF6-43EF-A6EA-1F41A8192392}" type="datetimeFigureOut">
               <a:rPr lang="ko-KR" altLang="en-US" smtClean="0"/>
-              <a:t>2022-06-25</a:t>
+              <a:t>2022-06-26</a:t>
             </a:fld>
             <a:endParaRPr lang="ko-KR" altLang="en-US"/>
           </a:p>
@@ -2380,7 +2386,7 @@
           <a:p>
             <a:fld id="{6CE92151-2CF6-43EF-A6EA-1F41A8192392}" type="datetimeFigureOut">
               <a:rPr lang="ko-KR" altLang="en-US" smtClean="0"/>
-              <a:t>2022-06-25</a:t>
+              <a:t>2022-06-26</a:t>
             </a:fld>
             <a:endParaRPr lang="ko-KR" altLang="en-US"/>
           </a:p>
@@ -2668,7 +2674,7 @@
           <a:p>
             <a:fld id="{6CE92151-2CF6-43EF-A6EA-1F41A8192392}" type="datetimeFigureOut">
               <a:rPr lang="ko-KR" altLang="en-US" smtClean="0"/>
-              <a:t>2022-06-25</a:t>
+              <a:t>2022-06-26</a:t>
             </a:fld>
             <a:endParaRPr lang="ko-KR" altLang="en-US"/>
           </a:p>
@@ -2909,7 +2915,7 @@
           <a:p>
             <a:fld id="{6CE92151-2CF6-43EF-A6EA-1F41A8192392}" type="datetimeFigureOut">
               <a:rPr lang="ko-KR" altLang="en-US" smtClean="0"/>
-              <a:t>2022-06-25</a:t>
+              <a:t>2022-06-26</a:t>
             </a:fld>
             <a:endParaRPr lang="ko-KR" altLang="en-US"/>
           </a:p>
@@ -3436,8 +3442,8 @@
         </p:nvSpPr>
         <p:spPr>
           <a:xfrm>
-            <a:off x="838200" y="1806574"/>
-            <a:ext cx="10515600" cy="4937125"/>
+            <a:off x="838200" y="1690688"/>
+            <a:ext cx="10515600" cy="5053011"/>
           </a:xfrm>
         </p:spPr>
         <p:txBody>
@@ -3447,6 +3453,9 @@
           <a:lstStyle/>
           <a:p>
             <a:pPr marL="0" indent="0">
+              <a:lnSpc>
+                <a:spcPct val="110000"/>
+              </a:lnSpc>
               <a:buNone/>
             </a:pPr>
             <a:r>
@@ -3466,23 +3475,29 @@
               <a:t>. – </a:t>
             </a:r>
             <a:r>
-              <a:rPr lang="ko-KR" altLang="en-US" sz="2500" dirty="0" err="1"/>
+              <a:rPr lang="ko-KR" altLang="en-US" sz="2300" dirty="0" err="1"/>
               <a:t>랄프</a:t>
             </a:r>
             <a:r>
-              <a:rPr lang="ko-KR" altLang="en-US" sz="2500" dirty="0"/>
+              <a:rPr lang="ko-KR" altLang="en-US" sz="2300" dirty="0"/>
               <a:t> 존슨</a:t>
             </a:r>
-            <a:endParaRPr lang="en-US" altLang="ko-KR" sz="2500" dirty="0"/>
+            <a:endParaRPr lang="en-US" altLang="ko-KR" sz="2300" dirty="0"/>
           </a:p>
           <a:p>
             <a:pPr marL="0" indent="0">
+              <a:lnSpc>
+                <a:spcPct val="110000"/>
+              </a:lnSpc>
               <a:buNone/>
             </a:pPr>
             <a:endParaRPr lang="en-US" altLang="ko-KR" sz="2500" dirty="0"/>
           </a:p>
           <a:p>
             <a:pPr marL="0" indent="0">
+              <a:lnSpc>
+                <a:spcPct val="110000"/>
+              </a:lnSpc>
               <a:buNone/>
             </a:pPr>
             <a:r>
@@ -3528,6 +3543,9 @@
           </a:p>
           <a:p>
             <a:pPr marL="0" indent="0">
+              <a:lnSpc>
+                <a:spcPct val="110000"/>
+              </a:lnSpc>
               <a:buNone/>
             </a:pPr>
             <a:r>
@@ -3553,6 +3571,9 @@
           </a:p>
           <a:p>
             <a:pPr marL="0" indent="0">
+              <a:lnSpc>
+                <a:spcPct val="110000"/>
+              </a:lnSpc>
               <a:buNone/>
             </a:pPr>
             <a:r>
@@ -3561,51 +3582,18 @@
             </a:r>
             <a:r>
               <a:rPr lang="en-US" altLang="ko-KR" dirty="0"/>
-              <a:t>. (</a:t>
-            </a:r>
-            <a:r>
-              <a:rPr lang="ko-KR" altLang="en-US" sz="2300" dirty="0"/>
-              <a:t>제어의 반전</a:t>
+              <a:t>. </a:t>
             </a:r>
             <a:r>
               <a:rPr lang="en-US" altLang="ko-KR" sz="2300" dirty="0"/>
-              <a:t>. </a:t>
-            </a:r>
-            <a:r>
-              <a:rPr lang="ko-KR" altLang="en-US" sz="2300" dirty="0"/>
-              <a:t>작업 구현 방식과 수행 자체를 분리</a:t>
-            </a:r>
-            <a:r>
-              <a:rPr lang="en-US" altLang="ko-KR" sz="2300" dirty="0"/>
-              <a:t>. </a:t>
-            </a:r>
-            <a:r>
-              <a:rPr lang="ko-KR" altLang="en-US" sz="2300" dirty="0"/>
-              <a:t>외부 라이브러리의 코드가 프로그래머가 작성한 코드를 호출하는 것</a:t>
-            </a:r>
-            <a:r>
-              <a:rPr lang="en-US" altLang="ko-KR" sz="2300" dirty="0"/>
-              <a:t>. </a:t>
-            </a:r>
-            <a:r>
-              <a:rPr lang="ko-KR" altLang="en-US" sz="2300" dirty="0"/>
-              <a:t>미리 정해진 협약대로만 동작하게 하면 된다</a:t>
-            </a:r>
-            <a:r>
-              <a:rPr lang="en-US" altLang="ko-KR" sz="2300" dirty="0"/>
-              <a:t>. </a:t>
-            </a:r>
-            <a:r>
-              <a:rPr lang="ko-KR" altLang="en-US" sz="2300" dirty="0"/>
-              <a:t>모듈을 바꿔도 다른 시스템에 부작용을 일으키지 않는다</a:t>
-            </a:r>
-            <a:r>
-              <a:rPr lang="en-US" altLang="ko-KR" sz="2300" dirty="0"/>
-              <a:t>.)</a:t>
+              <a:t>(IoC)</a:t>
             </a:r>
           </a:p>
           <a:p>
             <a:pPr marL="0" indent="0">
+              <a:lnSpc>
+                <a:spcPct val="110000"/>
+              </a:lnSpc>
               <a:buNone/>
             </a:pPr>
             <a:r>
@@ -3663,7 +3651,7 @@
           <p:cNvPr id="2" name="제목 1">
             <a:extLst>
               <a:ext uri="{FF2B5EF4-FFF2-40B4-BE49-F238E27FC236}">
-                <a16:creationId xmlns:a16="http://schemas.microsoft.com/office/drawing/2014/main" id="{98B75D1D-C009-6DBC-932D-FD47D4913625}"/>
+                <a16:creationId xmlns:a16="http://schemas.microsoft.com/office/drawing/2014/main" id="{F8A01E80-31CB-4274-F92C-B52542A59C1C}"/>
               </a:ext>
             </a:extLst>
           </p:cNvPr>
@@ -3672,58 +3660,72 @@
           </p:cNvSpPr>
           <p:nvPr>
             <p:ph type="title"/>
-          </p:nvPr>
-        </p:nvSpPr>
-        <p:spPr/>
-        <p:txBody>
-          <a:bodyPr/>
-          <a:lstStyle/>
-          <a:p>
-            <a:r>
-              <a:rPr lang="ko-KR" altLang="en-US" dirty="0"/>
-              <a:t>장점</a:t>
-            </a:r>
-          </a:p>
-        </p:txBody>
-      </p:sp>
-      <p:sp>
-        <p:nvSpPr>
-          <p:cNvPr id="3" name="내용 개체 틀 2">
-            <a:extLst>
-              <a:ext uri="{FF2B5EF4-FFF2-40B4-BE49-F238E27FC236}">
-                <a16:creationId xmlns:a16="http://schemas.microsoft.com/office/drawing/2014/main" id="{05A084CE-8C96-EAF3-C8C4-75DF6923CC3E}"/>
-              </a:ext>
-            </a:extLst>
-          </p:cNvPr>
-          <p:cNvSpPr>
-            <a:spLocks noGrp="1"/>
-          </p:cNvSpPr>
-          <p:nvPr>
-            <p:ph idx="1"/>
           </p:nvPr>
         </p:nvSpPr>
         <p:spPr>
           <a:xfrm>
-            <a:off x="838200" y="1690688"/>
-            <a:ext cx="10515600" cy="5053012"/>
+            <a:off x="838200" y="365125"/>
+            <a:ext cx="10515600" cy="1325563"/>
           </a:xfrm>
         </p:spPr>
         <p:txBody>
+          <a:bodyPr/>
+          <a:lstStyle/>
+          <a:p>
+            <a:r>
+              <a:rPr lang="en-US" altLang="ko-KR" dirty="0"/>
+              <a:t>Inversion of Control(</a:t>
+            </a:r>
+            <a:r>
+              <a:rPr lang="ko-KR" altLang="en-US" dirty="0"/>
+              <a:t>제어의 역전</a:t>
+            </a:r>
+            <a:r>
+              <a:rPr lang="en-US" altLang="ko-KR" dirty="0"/>
+              <a:t>)</a:t>
+            </a:r>
+            <a:endParaRPr lang="ko-KR" altLang="en-US" dirty="0"/>
+          </a:p>
+        </p:txBody>
+      </p:sp>
+      <p:sp>
+        <p:nvSpPr>
+          <p:cNvPr id="3" name="내용 개체 틀 2">
+            <a:extLst>
+              <a:ext uri="{FF2B5EF4-FFF2-40B4-BE49-F238E27FC236}">
+                <a16:creationId xmlns:a16="http://schemas.microsoft.com/office/drawing/2014/main" id="{55B5D1CB-A376-E525-D4D0-FF2717A05075}"/>
+              </a:ext>
+            </a:extLst>
+          </p:cNvPr>
+          <p:cNvSpPr>
+            <a:spLocks noGrp="1"/>
+          </p:cNvSpPr>
+          <p:nvPr>
+            <p:ph idx="1"/>
+          </p:nvPr>
+        </p:nvSpPr>
+        <p:spPr>
+          <a:xfrm>
+            <a:off x="838200" y="1690689"/>
+            <a:ext cx="10515600" cy="2513564"/>
+          </a:xfrm>
+        </p:spPr>
+        <p:txBody>
           <a:bodyPr>
-            <a:normAutofit/>
+            <a:normAutofit fontScale="92500" lnSpcReduction="10000"/>
           </a:bodyPr>
           <a:lstStyle/>
           <a:p>
-            <a:pPr marL="514350" indent="-514350">
-              <a:buAutoNum type="arabicParenR"/>
+            <a:pPr marL="0" indent="0">
+              <a:buNone/>
             </a:pPr>
             <a:r>
-              <a:rPr lang="ko-KR" altLang="en-US" dirty="0"/>
-              <a:t>효율적</a:t>
-            </a:r>
-            <a:r>
-              <a:rPr lang="en-US" altLang="ko-KR" dirty="0"/>
-              <a:t>:</a:t>
+              <a:rPr lang="ko-KR" altLang="en-US" sz="2800" dirty="0"/>
+              <a:t>작업 구현 방식과 수행 자체를 분리</a:t>
+            </a:r>
+            <a:r>
+              <a:rPr lang="en-US" altLang="ko-KR" sz="2800" dirty="0"/>
+              <a:t>.</a:t>
             </a:r>
           </a:p>
           <a:p>
@@ -3731,27 +3733,11 @@
               <a:buNone/>
             </a:pPr>
             <a:r>
-              <a:rPr lang="ko-KR" altLang="en-US" sz="2500" dirty="0"/>
-              <a:t>처음</a:t>
-            </a:r>
-            <a:r>
-              <a:rPr lang="en-US" altLang="ko-KR" sz="2500" dirty="0"/>
-              <a:t>(</a:t>
-            </a:r>
-            <a:r>
-              <a:rPr lang="ko-KR" altLang="en-US" sz="2500" dirty="0"/>
-              <a:t>밑바닥</a:t>
-            </a:r>
-            <a:r>
-              <a:rPr lang="en-US" altLang="ko-KR" sz="2500" dirty="0"/>
-              <a:t>)</a:t>
-            </a:r>
-            <a:r>
-              <a:rPr lang="ko-KR" altLang="en-US" sz="2500" dirty="0"/>
-              <a:t>부터 시작하지 않아서 시간과 비용이 절약되어 생산성이 좋아진다</a:t>
-            </a:r>
-            <a:r>
-              <a:rPr lang="en-US" altLang="ko-KR" sz="2500" dirty="0"/>
+              <a:rPr lang="ko-KR" altLang="en-US" sz="2800" dirty="0"/>
+              <a:t>외부 라이브러리의 코드가 프로그래머가 작성한 코드를 호출하는 것</a:t>
+            </a:r>
+            <a:r>
+              <a:rPr lang="en-US" altLang="ko-KR" sz="2800" dirty="0"/>
               <a:t>.</a:t>
             </a:r>
           </a:p>
@@ -3760,16 +3746,12 @@
               <a:buNone/>
             </a:pPr>
             <a:r>
-              <a:rPr lang="en-US" altLang="ko-KR" dirty="0"/>
-              <a:t>2) </a:t>
-            </a:r>
-            <a:r>
-              <a:rPr lang="ko-KR" altLang="en-US" dirty="0"/>
-              <a:t>품질의 향상</a:t>
-            </a:r>
-            <a:r>
-              <a:rPr lang="en-US" altLang="ko-KR" dirty="0"/>
-              <a:t>:</a:t>
+              <a:rPr lang="ko-KR" altLang="en-US" sz="2800" dirty="0"/>
+              <a:t>미리 정해진 협약대로만 동작하게 하면 된다</a:t>
+            </a:r>
+            <a:r>
+              <a:rPr lang="en-US" altLang="ko-KR" sz="2800" dirty="0"/>
+              <a:t>.</a:t>
             </a:r>
           </a:p>
           <a:p>
@@ -3777,11 +3759,11 @@
               <a:buNone/>
             </a:pPr>
             <a:r>
-              <a:rPr lang="ko-KR" altLang="en-US" sz="2500" dirty="0"/>
-              <a:t>검증된 코드를 사용하기에 개발자가 반복 작업에서 실수하기 쉬운 부분을 커버해준다</a:t>
-            </a:r>
-            <a:r>
-              <a:rPr lang="en-US" altLang="ko-KR" sz="2500" dirty="0"/>
+              <a:rPr lang="ko-KR" altLang="en-US" sz="2800" dirty="0"/>
+              <a:t>모듈을 바꿔도 다른 시스템에 부작용을 일으키지 않는다</a:t>
+            </a:r>
+            <a:r>
+              <a:rPr lang="en-US" altLang="ko-KR" sz="2800" dirty="0"/>
               <a:t>.</a:t>
             </a:r>
           </a:p>
@@ -3790,37 +3772,94 @@
               <a:buNone/>
             </a:pPr>
             <a:r>
-              <a:rPr lang="en-US" altLang="ko-KR" dirty="0"/>
-              <a:t>3) </a:t>
-            </a:r>
-            <a:r>
-              <a:rPr lang="ko-KR" altLang="en-US" dirty="0"/>
-              <a:t>유지 보수가 좋다</a:t>
-            </a:r>
-            <a:r>
-              <a:rPr lang="en-US" altLang="ko-KR" dirty="0"/>
-              <a:t>:</a:t>
+              <a:rPr lang="ko-KR" altLang="en-US" sz="2800" dirty="0"/>
+              <a:t>목적</a:t>
+            </a:r>
+            <a:r>
+              <a:rPr lang="en-US" altLang="ko-KR" sz="2800" dirty="0"/>
+              <a:t>: </a:t>
+            </a:r>
+            <a:r>
+              <a:rPr lang="ko-KR" altLang="en-US" sz="2800" dirty="0"/>
+              <a:t>객체지향 원칙을 잘 지키기 위해서 응집도를 높이고 결합도를 낮춘다</a:t>
+            </a:r>
+            <a:r>
+              <a:rPr lang="en-US" altLang="ko-KR" sz="2800" dirty="0"/>
+              <a:t>.</a:t>
             </a:r>
           </a:p>
           <a:p>
             <a:pPr marL="0" indent="0">
               <a:buNone/>
             </a:pPr>
-            <a:r>
-              <a:rPr lang="ko-KR" altLang="en-US" sz="2500" dirty="0"/>
-              <a:t>개인이 짜 놓은 코드보다 프레임워크를 이용했기에 사람이 바뀌어도 유지보수에 보다 안정적이다</a:t>
-            </a:r>
-            <a:r>
-              <a:rPr lang="en-US" altLang="ko-KR" sz="2500" dirty="0"/>
-              <a:t>.</a:t>
-            </a:r>
-          </a:p>
-        </p:txBody>
-      </p:sp>
+            <a:endParaRPr lang="ko-KR" altLang="en-US" dirty="0"/>
+          </a:p>
+        </p:txBody>
+      </p:sp>
+      <p:pic>
+        <p:nvPicPr>
+          <p:cNvPr id="5" name="그림 4">
+            <a:extLst>
+              <a:ext uri="{FF2B5EF4-FFF2-40B4-BE49-F238E27FC236}">
+                <a16:creationId xmlns:a16="http://schemas.microsoft.com/office/drawing/2014/main" id="{D2C2F362-4E81-17D9-B875-24680CEFB94B}"/>
+              </a:ext>
+            </a:extLst>
+          </p:cNvPr>
+          <p:cNvPicPr>
+            <a:picLocks noChangeAspect="1"/>
+          </p:cNvPicPr>
+          <p:nvPr/>
+        </p:nvPicPr>
+        <p:blipFill>
+          <a:blip r:embed="rId2"/>
+          <a:stretch>
+            <a:fillRect/>
+          </a:stretch>
+        </p:blipFill>
+        <p:spPr>
+          <a:xfrm>
+            <a:off x="4732468" y="4274654"/>
+            <a:ext cx="5584931" cy="2170098"/>
+          </a:xfrm>
+          <a:prstGeom prst="rect">
+            <a:avLst/>
+          </a:prstGeom>
+        </p:spPr>
+      </p:pic>
+      <p:pic>
+        <p:nvPicPr>
+          <p:cNvPr id="7" name="그림 6">
+            <a:extLst>
+              <a:ext uri="{FF2B5EF4-FFF2-40B4-BE49-F238E27FC236}">
+                <a16:creationId xmlns:a16="http://schemas.microsoft.com/office/drawing/2014/main" id="{69879DD0-B82F-7DBC-FD92-D3E7A5F25851}"/>
+              </a:ext>
+            </a:extLst>
+          </p:cNvPr>
+          <p:cNvPicPr>
+            <a:picLocks noChangeAspect="1"/>
+          </p:cNvPicPr>
+          <p:nvPr/>
+        </p:nvPicPr>
+        <p:blipFill>
+          <a:blip r:embed="rId3"/>
+          <a:stretch>
+            <a:fillRect/>
+          </a:stretch>
+        </p:blipFill>
+        <p:spPr>
+          <a:xfrm>
+            <a:off x="838200" y="4274654"/>
+            <a:ext cx="3495883" cy="2170099"/>
+          </a:xfrm>
+          <a:prstGeom prst="rect">
+            <a:avLst/>
+          </a:prstGeom>
+        </p:spPr>
+      </p:pic>
     </p:spTree>
     <p:extLst>
       <p:ext uri="{BB962C8B-B14F-4D97-AF65-F5344CB8AC3E}">
-        <p14:creationId xmlns:p14="http://schemas.microsoft.com/office/powerpoint/2010/main" val="1969318251"/>
+        <p14:creationId xmlns:p14="http://schemas.microsoft.com/office/powerpoint/2010/main" val="3609903757"/>
       </p:ext>
     </p:extLst>
   </p:cSld>
@@ -3852,6 +3891,195 @@
           <p:cNvPr id="2" name="제목 1">
             <a:extLst>
               <a:ext uri="{FF2B5EF4-FFF2-40B4-BE49-F238E27FC236}">
+                <a16:creationId xmlns:a16="http://schemas.microsoft.com/office/drawing/2014/main" id="{98B75D1D-C009-6DBC-932D-FD47D4913625}"/>
+              </a:ext>
+            </a:extLst>
+          </p:cNvPr>
+          <p:cNvSpPr>
+            <a:spLocks noGrp="1"/>
+          </p:cNvSpPr>
+          <p:nvPr>
+            <p:ph type="title"/>
+          </p:nvPr>
+        </p:nvSpPr>
+        <p:spPr/>
+        <p:txBody>
+          <a:bodyPr/>
+          <a:lstStyle/>
+          <a:p>
+            <a:r>
+              <a:rPr lang="ko-KR" altLang="en-US" dirty="0"/>
+              <a:t>장점</a:t>
+            </a:r>
+          </a:p>
+        </p:txBody>
+      </p:sp>
+      <p:sp>
+        <p:nvSpPr>
+          <p:cNvPr id="3" name="내용 개체 틀 2">
+            <a:extLst>
+              <a:ext uri="{FF2B5EF4-FFF2-40B4-BE49-F238E27FC236}">
+                <a16:creationId xmlns:a16="http://schemas.microsoft.com/office/drawing/2014/main" id="{05A084CE-8C96-EAF3-C8C4-75DF6923CC3E}"/>
+              </a:ext>
+            </a:extLst>
+          </p:cNvPr>
+          <p:cNvSpPr>
+            <a:spLocks noGrp="1"/>
+          </p:cNvSpPr>
+          <p:nvPr>
+            <p:ph idx="1"/>
+          </p:nvPr>
+        </p:nvSpPr>
+        <p:spPr>
+          <a:xfrm>
+            <a:off x="838200" y="1690688"/>
+            <a:ext cx="10515600" cy="5053012"/>
+          </a:xfrm>
+        </p:spPr>
+        <p:txBody>
+          <a:bodyPr>
+            <a:normAutofit/>
+          </a:bodyPr>
+          <a:lstStyle/>
+          <a:p>
+            <a:pPr marL="514350" indent="-514350">
+              <a:buAutoNum type="arabicParenR"/>
+            </a:pPr>
+            <a:r>
+              <a:rPr lang="ko-KR" altLang="en-US" dirty="0"/>
+              <a:t>효율적</a:t>
+            </a:r>
+            <a:r>
+              <a:rPr lang="en-US" altLang="ko-KR" dirty="0"/>
+              <a:t>:</a:t>
+            </a:r>
+          </a:p>
+          <a:p>
+            <a:pPr marL="0" indent="0">
+              <a:buNone/>
+            </a:pPr>
+            <a:r>
+              <a:rPr lang="ko-KR" altLang="en-US" sz="2500" dirty="0"/>
+              <a:t>처음</a:t>
+            </a:r>
+            <a:r>
+              <a:rPr lang="en-US" altLang="ko-KR" sz="2500" dirty="0"/>
+              <a:t>(</a:t>
+            </a:r>
+            <a:r>
+              <a:rPr lang="ko-KR" altLang="en-US" sz="2500" dirty="0"/>
+              <a:t>밑바닥</a:t>
+            </a:r>
+            <a:r>
+              <a:rPr lang="en-US" altLang="ko-KR" sz="2500" dirty="0"/>
+              <a:t>)</a:t>
+            </a:r>
+            <a:r>
+              <a:rPr lang="ko-KR" altLang="en-US" sz="2500" dirty="0"/>
+              <a:t>부터 시작하지 않아서 시간과 비용이 절약되어 생산성이 좋아진다</a:t>
+            </a:r>
+            <a:r>
+              <a:rPr lang="en-US" altLang="ko-KR" sz="2500" dirty="0"/>
+              <a:t>.</a:t>
+            </a:r>
+          </a:p>
+          <a:p>
+            <a:pPr marL="0" indent="0">
+              <a:buNone/>
+            </a:pPr>
+            <a:r>
+              <a:rPr lang="en-US" altLang="ko-KR" dirty="0"/>
+              <a:t>2) </a:t>
+            </a:r>
+            <a:r>
+              <a:rPr lang="ko-KR" altLang="en-US" dirty="0"/>
+              <a:t>품질의 향상</a:t>
+            </a:r>
+            <a:r>
+              <a:rPr lang="en-US" altLang="ko-KR" dirty="0"/>
+              <a:t>:</a:t>
+            </a:r>
+          </a:p>
+          <a:p>
+            <a:pPr marL="0" indent="0">
+              <a:buNone/>
+            </a:pPr>
+            <a:r>
+              <a:rPr lang="ko-KR" altLang="en-US" sz="2500" dirty="0"/>
+              <a:t>검증된 코드를 사용하기에 개발자가 반복 작업에서 실수하기 쉬운 부분을 커버해준다</a:t>
+            </a:r>
+            <a:r>
+              <a:rPr lang="en-US" altLang="ko-KR" sz="2500" dirty="0"/>
+              <a:t>.</a:t>
+            </a:r>
+          </a:p>
+          <a:p>
+            <a:pPr marL="0" indent="0">
+              <a:buNone/>
+            </a:pPr>
+            <a:r>
+              <a:rPr lang="en-US" altLang="ko-KR" dirty="0"/>
+              <a:t>3) </a:t>
+            </a:r>
+            <a:r>
+              <a:rPr lang="ko-KR" altLang="en-US" dirty="0"/>
+              <a:t>유지 보수가 좋다</a:t>
+            </a:r>
+            <a:r>
+              <a:rPr lang="en-US" altLang="ko-KR" dirty="0"/>
+              <a:t>:</a:t>
+            </a:r>
+          </a:p>
+          <a:p>
+            <a:pPr marL="0" indent="0">
+              <a:buNone/>
+            </a:pPr>
+            <a:r>
+              <a:rPr lang="ko-KR" altLang="en-US" sz="2500" dirty="0"/>
+              <a:t>개인이 짜 놓은 코드보다 프레임워크를 이용했기에 사람이 바뀌어도 유지보수에 보다 안정적이다</a:t>
+            </a:r>
+            <a:r>
+              <a:rPr lang="en-US" altLang="ko-KR" sz="2500" dirty="0"/>
+              <a:t>.</a:t>
+            </a:r>
+          </a:p>
+        </p:txBody>
+      </p:sp>
+    </p:spTree>
+    <p:extLst>
+      <p:ext uri="{BB962C8B-B14F-4D97-AF65-F5344CB8AC3E}">
+        <p14:creationId xmlns:p14="http://schemas.microsoft.com/office/powerpoint/2010/main" val="1969318251"/>
+      </p:ext>
+    </p:extLst>
+  </p:cSld>
+  <p:clrMapOvr>
+    <a:masterClrMapping/>
+  </p:clrMapOvr>
+</p:sld>
+</file>
+
+<file path=ppt/slides/slide5.xml><?xml version="1.0" encoding="utf-8"?>
+<p:sld xmlns:a="http://schemas.openxmlformats.org/drawingml/2006/main" xmlns:r="http://schemas.openxmlformats.org/officeDocument/2006/relationships" xmlns:p="http://schemas.openxmlformats.org/presentationml/2006/main">
+  <p:cSld>
+    <p:spTree>
+      <p:nvGrpSpPr>
+        <p:cNvPr id="1" name=""/>
+        <p:cNvGrpSpPr/>
+        <p:nvPr/>
+      </p:nvGrpSpPr>
+      <p:grpSpPr>
+        <a:xfrm>
+          <a:off x="0" y="0"/>
+          <a:ext cx="0" cy="0"/>
+          <a:chOff x="0" y="0"/>
+          <a:chExt cx="0" cy="0"/>
+        </a:xfrm>
+      </p:grpSpPr>
+      <p:sp>
+        <p:nvSpPr>
+          <p:cNvPr id="2" name="제목 1">
+            <a:extLst>
+              <a:ext uri="{FF2B5EF4-FFF2-40B4-BE49-F238E27FC236}">
                 <a16:creationId xmlns:a16="http://schemas.microsoft.com/office/drawing/2014/main" id="{7CEE4252-1EE9-1F2C-76AE-E84978C6151A}"/>
               </a:ext>
             </a:extLst>
@@ -3974,7 +4202,7 @@
 </p:sld>
 </file>
 
-<file path=ppt/slides/slide5.xml><?xml version="1.0" encoding="utf-8"?>
+<file path=ppt/slides/slide6.xml><?xml version="1.0" encoding="utf-8"?>
 <p:sld xmlns:a="http://schemas.openxmlformats.org/drawingml/2006/main" xmlns:r="http://schemas.openxmlformats.org/officeDocument/2006/relationships" xmlns:p="http://schemas.openxmlformats.org/presentationml/2006/main">
   <p:cSld>
     <p:spTree>
@@ -4469,7 +4697,7 @@
 </p:sld>
 </file>
 
-<file path=ppt/slides/slide6.xml><?xml version="1.0" encoding="utf-8"?>
+<file path=ppt/slides/slide7.xml><?xml version="1.0" encoding="utf-8"?>
 <p:sld xmlns:a="http://schemas.openxmlformats.org/drawingml/2006/main" xmlns:r="http://schemas.openxmlformats.org/officeDocument/2006/relationships" xmlns:p="http://schemas.openxmlformats.org/presentationml/2006/main">
   <p:cSld>
     <p:spTree>
